--- a/Lecture 4 - Advanced CSS/SkillsUSA – Lecture 4.pptx
+++ b/Lecture 4 - Advanced CSS/SkillsUSA – Lecture 4.pptx
@@ -117,6 +117,11 @@
       </a:defRPr>
     </a:lvl9pPr>
   </p:defaultTextStyle>
+  <p:extLst>
+    <p:ext uri="{EFAFB233-063F-42B5-8137-9DF3F51BA10A}">
+      <p15:sldGuideLst xmlns:p15="http://schemas.microsoft.com/office/powerpoint/2012/main"/>
+    </p:ext>
+  </p:extLst>
 </p:presentation>
 </file>
 
@@ -10258,7 +10263,7 @@
             <a:pPr lvl="2"/>
             <a:r>
               <a:rPr lang="en-US" dirty="0"/>
-              <a:t>TRBL (trouble), TR B L, TR BL, TRBL</a:t>
+              <a:t>T R B L (trouble), TR B L, TR BL, TRBL</a:t>
             </a:r>
           </a:p>
           <a:p>
@@ -11221,15 +11226,20 @@
           <a:p>
             <a:r>
               <a:rPr lang="en-US" dirty="0"/>
-              <a:t>What are the three primary display modes in CSS?</a:t>
+              <a:t>What are the four primary display modes in CSS?</a:t>
             </a:r>
           </a:p>
           <a:p>
             <a:pPr lvl="1"/>
             <a:r>
               <a:rPr lang="en-US" dirty="0"/>
-              <a:t>Inline, block, and inline-block</a:t>
-            </a:r>
+              <a:t>Inline, block</a:t>
+            </a:r>
+            <a:r>
+              <a:rPr lang="en-US"/>
+              <a:t>, inline-block, and none</a:t>
+            </a:r>
+            <a:endParaRPr lang="en-US" dirty="0"/>
           </a:p>
           <a:p>
             <a:r>
